--- a/docs/objects/knowEnum.pptx
+++ b/docs/objects/knowEnum.pptx
@@ -5,16 +5,15 @@
     <p:sldMasterId id="2147483649" r:id="rId4"/>
   </p:sldMasterIdLst>
   <p:notesMasterIdLst>
-    <p:notesMasterId r:id="rId9"/>
+    <p:notesMasterId r:id="rId8"/>
   </p:notesMasterIdLst>
   <p:handoutMasterIdLst>
-    <p:handoutMasterId r:id="rId10"/>
+    <p:handoutMasterId r:id="rId9"/>
   </p:handoutMasterIdLst>
   <p:sldIdLst>
     <p:sldId id="256" r:id="rId5"/>
     <p:sldId id="257" r:id="rId6"/>
     <p:sldId id="258" r:id="rId7"/>
-    <p:sldId id="263" r:id="rId8"/>
   </p:sldIdLst>
   <p:sldSz cx="9144000" cy="6858000" type="screen4x3"/>
   <p:notesSz cx="6858000" cy="9144000"/>
@@ -145,7 +144,7 @@
   </p:defaultTextStyle>
   <p:extLst>
     <p:ext uri="{EFAFB233-063F-42B5-8137-9DF3F51BA10A}">
-      <p15:sldGuideLst xmlns:p15="http://schemas.microsoft.com/office/powerpoint/2012/main" xmlns="">
+      <p15:sldGuideLst xmlns:p15="http://schemas.microsoft.com/office/powerpoint/2012/main">
         <p15:guide id="1" orient="horz" pos="2160">
           <p15:clr>
             <a:srgbClr val="A4A3A4"/>
@@ -159,7 +158,7 @@
       </p15:sldGuideLst>
     </p:ext>
     <p:ext uri="{2D200454-40CA-4A62-9FC3-DE9A4176ACB9}">
-      <p15:notesGuideLst xmlns:p15="http://schemas.microsoft.com/office/powerpoint/2012/main" xmlns="">
+      <p15:notesGuideLst xmlns:p15="http://schemas.microsoft.com/office/powerpoint/2012/main">
         <p15:guide id="1" orient="horz" pos="2880">
           <p15:clr>
             <a:srgbClr val="A4A3A4"/>
@@ -349,7 +348,7 @@
           <a:p>
             <a:fld id="{E08E4B52-91AD-CB47-9CF7-94E952E29DF2}" type="datetime1">
               <a:rPr lang="nl-NL" smtClean="0"/>
-              <a:t>22-10-2015</a:t>
+              <a:t>21-07-2021</a:t>
             </a:fld>
             <a:endParaRPr lang="nl-NL"/>
           </a:p>
@@ -504,7 +503,7 @@
             <a:fld id="{3E9E5D1A-8207-F74E-847F-AC80C53CE032}" type="slidenum">
               <a:rPr lang="nl-NL"/>
               <a:pPr/>
-              <a:t>‹nr.›</a:t>
+              <a:t>‹#›</a:t>
             </a:fld>
             <a:endParaRPr lang="nl-NL"/>
           </a:p>
@@ -695,7 +694,7 @@
           <a:p>
             <a:fld id="{B84C9008-6D53-5049-B516-F0DE16816FD9}" type="datetime1">
               <a:rPr lang="nl-NL" smtClean="0"/>
-              <a:t>22-10-2015</a:t>
+              <a:t>21-07-2021</a:t>
             </a:fld>
             <a:endParaRPr lang="en-US"/>
           </a:p>
@@ -997,7 +996,7 @@
             <a:fld id="{A995DA3A-915F-4D4C-A97C-252687C1E639}" type="slidenum">
               <a:rPr lang="en-US"/>
               <a:pPr/>
-              <a:t>‹nr.›</a:t>
+              <a:t>‹#›</a:t>
             </a:fld>
             <a:endParaRPr lang="en-US"/>
           </a:p>
@@ -1213,15 +1212,15 @@
           </a:lstStyle>
           <a:p>
             <a:r>
-              <a:rPr lang="en-US" dirty="0" err="1" smtClean="0"/>
+              <a:rPr lang="en-US" dirty="0" err="1"/>
               <a:t>Titelstijl</a:t>
             </a:r>
             <a:r>
-              <a:rPr lang="en-US" dirty="0" smtClean="0"/>
+              <a:rPr lang="en-US" dirty="0"/>
               <a:t> van model </a:t>
             </a:r>
             <a:r>
-              <a:rPr lang="en-US" dirty="0" err="1" smtClean="0"/>
+              <a:rPr lang="en-US" dirty="0" err="1"/>
               <a:t>bewerken</a:t>
             </a:r>
             <a:endParaRPr lang="nl-NL" dirty="0"/>
@@ -1275,35 +1274,35 @@
           <a:p>
             <a:pPr lvl="0"/>
             <a:r>
-              <a:rPr lang="en-US" smtClean="0"/>
+              <a:rPr lang="en-US"/>
               <a:t>Klik om de tekststijl van het model te bewerken</a:t>
             </a:r>
           </a:p>
           <a:p>
             <a:pPr lvl="1"/>
             <a:r>
-              <a:rPr lang="en-US" smtClean="0"/>
+              <a:rPr lang="en-US"/>
               <a:t>Tweede niveau</a:t>
             </a:r>
           </a:p>
           <a:p>
             <a:pPr lvl="2"/>
             <a:r>
-              <a:rPr lang="en-US" smtClean="0"/>
+              <a:rPr lang="en-US"/>
               <a:t>Derde niveau</a:t>
             </a:r>
           </a:p>
           <a:p>
             <a:pPr lvl="3"/>
             <a:r>
-              <a:rPr lang="en-US" smtClean="0"/>
+              <a:rPr lang="en-US"/>
               <a:t>Vierde niveau</a:t>
             </a:r>
           </a:p>
           <a:p>
             <a:pPr lvl="4"/>
             <a:r>
-              <a:rPr lang="en-US" smtClean="0"/>
+              <a:rPr lang="en-US"/>
               <a:t>Vijfde niveau</a:t>
             </a:r>
             <a:endParaRPr lang="nl-NL"/>
@@ -1347,7 +1346,7 @@
             <a:fld id="{513CBD93-3318-4B48-B3BC-79E8361AB13D}" type="slidenum">
               <a:rPr lang="nl-NL" smtClean="0"/>
               <a:pPr/>
-              <a:t>‹nr.›</a:t>
+              <a:t>‹#›</a:t>
             </a:fld>
             <a:endParaRPr lang="nl-NL" dirty="0"/>
           </a:p>
@@ -1456,35 +1455,35 @@
           <a:p>
             <a:pPr lvl="0"/>
             <a:r>
-              <a:rPr lang="en-US" smtClean="0"/>
+              <a:rPr lang="en-US"/>
               <a:t>Klik om de tekststijl van het model te bewerken</a:t>
             </a:r>
           </a:p>
           <a:p>
             <a:pPr lvl="1"/>
             <a:r>
-              <a:rPr lang="en-US" smtClean="0"/>
+              <a:rPr lang="en-US"/>
               <a:t>Tweede niveau</a:t>
             </a:r>
           </a:p>
           <a:p>
             <a:pPr lvl="2"/>
             <a:r>
-              <a:rPr lang="en-US" smtClean="0"/>
+              <a:rPr lang="en-US"/>
               <a:t>Derde niveau</a:t>
             </a:r>
           </a:p>
           <a:p>
             <a:pPr lvl="3"/>
             <a:r>
-              <a:rPr lang="en-US" smtClean="0"/>
+              <a:rPr lang="en-US"/>
               <a:t>Vierde niveau</a:t>
             </a:r>
           </a:p>
           <a:p>
             <a:pPr lvl="4"/>
             <a:r>
-              <a:rPr lang="en-US" smtClean="0"/>
+              <a:rPr lang="en-US"/>
               <a:t>Vijfde niveau</a:t>
             </a:r>
             <a:endParaRPr lang="nl-NL"/>
@@ -1528,7 +1527,7 @@
             <a:fld id="{513CBD93-3318-4B48-B3BC-79E8361AB13D}" type="slidenum">
               <a:rPr lang="nl-NL" smtClean="0"/>
               <a:pPr/>
-              <a:t>‹nr.›</a:t>
+              <a:t>‹#›</a:t>
             </a:fld>
             <a:endParaRPr lang="nl-NL" dirty="0"/>
           </a:p>
@@ -1692,7 +1691,7 @@
             <a:fld id="{513CBD93-3318-4B48-B3BC-79E8361AB13D}" type="slidenum">
               <a:rPr lang="nl-NL" smtClean="0"/>
               <a:pPr/>
-              <a:t>‹nr.›</a:t>
+              <a:t>‹#›</a:t>
             </a:fld>
             <a:endParaRPr lang="nl-NL" dirty="0"/>
           </a:p>
@@ -1905,13 +1904,6 @@
     <p:sldLayoutId id="2147483651" r:id="rId2"/>
     <p:sldLayoutId id="2147483653" r:id="rId3"/>
   </p:sldLayoutIdLst>
-  <p:timing>
-    <p:tnLst>
-      <p:par>
-        <p:cTn id="1" dur="indefinite" restart="never" nodeType="tmRoot"/>
-      </p:par>
-    </p:tnLst>
-  </p:timing>
   <p:hf hdr="0" dt="0"/>
   <p:txStyles>
     <p:titleStyle>
@@ -2334,45 +2326,16 @@
           <a:bodyPr/>
           <a:lstStyle/>
           <a:p>
-            <a:r>
-              <a:rPr lang="nl-NL" smtClean="0">
-                <a:solidFill>
-                  <a:schemeClr val="bg1">
-                    <a:lumMod val="50000"/>
-                  </a:schemeClr>
-                </a:solidFill>
-              </a:rPr>
-              <a:t>OIS12</a:t>
-            </a:r>
-            <a:r>
-              <a:rPr lang="nl-NL" dirty="0" smtClean="0"/>
-              <a:t/>
-            </a:r>
             <a:br>
-              <a:rPr lang="nl-NL" dirty="0" smtClean="0"/>
+              <a:rPr lang="nl-NL" dirty="0"/>
             </a:br>
             <a:r>
-              <a:rPr lang="nl-NL"/>
-              <a:t/>
+              <a:rPr lang="nl-NL" dirty="0" err="1"/>
+              <a:t>Enums</a:t>
             </a:r>
             <a:br>
-              <a:rPr lang="nl-NL"/>
+              <a:rPr lang="nl-NL" dirty="0"/>
             </a:br>
-            <a:r>
-              <a:rPr lang="nl-NL" smtClean="0"/>
-              <a:t>Enumeraties</a:t>
-            </a:r>
-            <a:r>
-              <a:rPr lang="nl-NL" dirty="0" smtClean="0"/>
-              <a:t/>
-            </a:r>
-            <a:br>
-              <a:rPr lang="nl-NL" dirty="0" smtClean="0"/>
-            </a:br>
-            <a:r>
-              <a:rPr lang="nl-NL" dirty="0"/>
-              <a:t/>
-            </a:r>
             <a:br>
               <a:rPr lang="nl-NL" dirty="0"/>
             </a:br>
@@ -2390,13 +2353,6 @@
   <p:clrMapOvr>
     <a:masterClrMapping/>
   </p:clrMapOvr>
-  <p:timing>
-    <p:tnLst>
-      <p:par>
-        <p:cTn id="1" dur="indefinite" restart="never" nodeType="tmRoot"/>
-      </p:par>
-    </p:tnLst>
-  </p:timing>
 </p:sld>
 </file>
 
@@ -2437,20 +2393,12 @@
               <a:t>Enumeraties of kortweg </a:t>
             </a:r>
             <a:r>
-              <a:rPr lang="nl-NL" sz="2400" dirty="0" err="1" smtClean="0"/>
+              <a:rPr lang="nl-NL" sz="2400" dirty="0" err="1"/>
               <a:t>enum’s</a:t>
             </a:r>
             <a:r>
-              <a:rPr lang="nl-NL" sz="2400" dirty="0" smtClean="0"/>
-              <a:t> </a:t>
-            </a:r>
-            <a:r>
               <a:rPr lang="nl-NL" sz="2400" dirty="0"/>
-              <a:t>stellen je in staat items op een gestructureerde, geordende manier voor te stellen</a:t>
-            </a:r>
-            <a:r>
-              <a:rPr lang="nl-NL" sz="2400" dirty="0" smtClean="0"/>
-              <a:t>.</a:t>
+              <a:t> stellen je in staat items op een gestructureerde, geordende manier voor te stellen. </a:t>
             </a:r>
           </a:p>
           <a:p>
@@ -2470,15 +2418,7 @@
             </a:r>
             <a:r>
               <a:rPr lang="nl-NL" sz="2400" dirty="0"/>
-              <a:t> ter beschikking en </a:t>
-            </a:r>
-            <a:r>
-              <a:rPr lang="nl-NL" sz="2400" dirty="0" smtClean="0"/>
-              <a:t>behoed </a:t>
-            </a:r>
-            <a:r>
-              <a:rPr lang="nl-NL" sz="2400" dirty="0"/>
-              <a:t>je jezelf voor tikfouten en logische fouten.</a:t>
+              <a:t> ter beschikking en behoed je jezelf voor tikfouten en logische fouten. </a:t>
             </a:r>
           </a:p>
         </p:txBody>
@@ -2523,7 +2463,7 @@
           <a:lstStyle/>
           <a:p>
             <a:r>
-              <a:rPr lang="nl-NL" dirty="0" err="1" smtClean="0"/>
+              <a:rPr lang="nl-NL" dirty="0" err="1"/>
               <a:t>Enum</a:t>
             </a:r>
             <a:endParaRPr lang="nl-NL" dirty="0"/>
@@ -2540,13 +2480,6 @@
   <p:clrMapOvr>
     <a:masterClrMapping/>
   </p:clrMapOvr>
-  <p:timing>
-    <p:tnLst>
-      <p:par>
-        <p:cTn id="1" dur="indefinite" restart="never" nodeType="tmRoot"/>
-      </p:par>
-    </p:tnLst>
-  </p:timing>
 </p:sld>
 </file>
 
@@ -2591,7 +2524,7 @@
               <a:buNone/>
             </a:pPr>
             <a:r>
-              <a:rPr lang="nl-NL" sz="1800" dirty="0" smtClean="0"/>
+              <a:rPr lang="nl-NL" sz="1800" dirty="0"/>
               <a:t>Dan is mogelijk:</a:t>
             </a:r>
           </a:p>
@@ -2634,10 +2567,9 @@
           <a:p>
             <a:pPr algn="r"/>
             <a:r>
-              <a:rPr lang="nl-NL" dirty="0" smtClean="0"/>
+              <a:rPr lang="nl-NL" dirty="0"/>
               <a:t>SE12</a:t>
             </a:r>
-            <a:endParaRPr lang="nl-NL" dirty="0"/>
           </a:p>
         </p:txBody>
       </p:sp>
@@ -2681,11 +2613,11 @@
           <a:lstStyle/>
           <a:p>
             <a:r>
-              <a:rPr lang="nl-NL" dirty="0" smtClean="0"/>
+              <a:rPr lang="nl-NL" dirty="0"/>
               <a:t>Voorbeeld </a:t>
             </a:r>
             <a:r>
-              <a:rPr lang="nl-NL" dirty="0" err="1" smtClean="0"/>
+              <a:rPr lang="nl-NL" dirty="0" err="1"/>
               <a:t>enum</a:t>
             </a:r>
             <a:endParaRPr lang="nl-NL" dirty="0"/>
@@ -2710,7 +2642,6 @@
             <a:headEnd type="none" w="med" len="med"/>
             <a:tailEnd type="none" w="med" len="med"/>
           </a:ln>
-          <a:extLst/>
         </p:spPr>
         <p:style>
           <a:lnRef idx="1">
@@ -2762,7 +2693,7 @@
               <a:t>e</a:t>
             </a:r>
             <a:r>
-              <a:rPr kumimoji="0" lang="nl-NL" sz="1800" b="0" i="0" u="none" strike="noStrike" cap="none" normalizeH="0" baseline="0" dirty="0" err="1" smtClean="0">
+              <a:rPr kumimoji="0" lang="nl-NL" sz="1800" b="0" i="0" u="none" strike="noStrike" cap="none" normalizeH="0" baseline="0" dirty="0" err="1">
                 <a:ln>
                   <a:noFill/>
                 </a:ln>
@@ -2777,7 +2708,7 @@
               <a:t>num</a:t>
             </a:r>
             <a:r>
-              <a:rPr kumimoji="0" lang="nl-NL" sz="1800" b="0" i="0" u="none" strike="noStrike" cap="none" normalizeH="0" baseline="0" dirty="0" smtClean="0">
+              <a:rPr kumimoji="0" lang="nl-NL" sz="1800" b="0" i="0" u="none" strike="noStrike" cap="none" normalizeH="0" baseline="0" dirty="0">
                 <a:ln>
                   <a:noFill/>
                 </a:ln>
@@ -2792,7 +2723,7 @@
               <a:t> </a:t>
             </a:r>
             <a:r>
-              <a:rPr kumimoji="0" lang="nl-NL" sz="1800" b="0" i="0" u="none" strike="noStrike" cap="none" normalizeH="0" baseline="0" dirty="0" smtClean="0">
+              <a:rPr kumimoji="0" lang="nl-NL" sz="1800" b="0" i="0" u="none" strike="noStrike" cap="none" normalizeH="0" baseline="0" dirty="0">
                 <a:ln>
                   <a:noFill/>
                 </a:ln>
@@ -2825,7 +2756,7 @@
               <a:tabLst/>
             </a:pPr>
             <a:r>
-              <a:rPr lang="nl-NL" sz="1800" dirty="0" smtClean="0">
+              <a:rPr lang="nl-NL" sz="1800" dirty="0">
                 <a:solidFill>
                   <a:srgbClr val="000000"/>
                 </a:solidFill>
@@ -2854,7 +2785,7 @@
               <a:tabLst/>
             </a:pPr>
             <a:r>
-              <a:rPr kumimoji="0" lang="nl-NL" sz="1800" b="0" i="0" u="none" strike="noStrike" cap="none" normalizeH="0" baseline="0" dirty="0" smtClean="0">
+              <a:rPr kumimoji="0" lang="nl-NL" sz="1800" b="0" i="0" u="none" strike="noStrike" cap="none" normalizeH="0" baseline="0" dirty="0">
                 <a:ln>
                   <a:noFill/>
                 </a:ln>
@@ -2895,18 +2826,7 @@
                 <a:ea typeface="ＭＳ Ｐゴシック" charset="0"/>
                 <a:cs typeface="Courier New" pitchFamily="49" charset="0"/>
               </a:rPr>
-              <a:t> </a:t>
-            </a:r>
-            <a:r>
-              <a:rPr lang="nl-NL" sz="1800" dirty="0" smtClean="0">
-                <a:solidFill>
-                  <a:srgbClr val="000000"/>
-                </a:solidFill>
-                <a:latin typeface="Courier New" pitchFamily="49" charset="0"/>
-                <a:ea typeface="ＭＳ Ｐゴシック" charset="0"/>
-                <a:cs typeface="Courier New" pitchFamily="49" charset="0"/>
-              </a:rPr>
-              <a:t>  Maandag,</a:t>
+              <a:t>   Maandag,</a:t>
             </a:r>
           </a:p>
           <a:p>
@@ -2939,22 +2859,7 @@
                 <a:ea typeface="ＭＳ Ｐゴシック" charset="0"/>
                 <a:cs typeface="Courier New" pitchFamily="49" charset="0"/>
               </a:rPr>
-              <a:t> </a:t>
-            </a:r>
-            <a:r>
-              <a:rPr kumimoji="0" lang="nl-NL" sz="1800" b="0" i="0" u="none" strike="noStrike" cap="none" normalizeH="0" baseline="0" dirty="0" smtClean="0">
-                <a:ln>
-                  <a:noFill/>
-                </a:ln>
-                <a:solidFill>
-                  <a:srgbClr val="000000"/>
-                </a:solidFill>
-                <a:effectLst/>
-                <a:latin typeface="Courier New" pitchFamily="49" charset="0"/>
-                <a:ea typeface="ＭＳ Ｐゴシック" charset="0"/>
-                <a:cs typeface="Courier New" pitchFamily="49" charset="0"/>
-              </a:rPr>
-              <a:t>  Dinsdag,</a:t>
+              <a:t>   Dinsdag,</a:t>
             </a:r>
           </a:p>
           <a:p>
@@ -2983,18 +2888,7 @@
                 <a:ea typeface="ＭＳ Ｐゴシック" charset="0"/>
                 <a:cs typeface="Courier New" pitchFamily="49" charset="0"/>
               </a:rPr>
-              <a:t> </a:t>
-            </a:r>
-            <a:r>
-              <a:rPr lang="nl-NL" sz="1800" dirty="0" smtClean="0">
-                <a:solidFill>
-                  <a:srgbClr val="000000"/>
-                </a:solidFill>
-                <a:latin typeface="Courier New" pitchFamily="49" charset="0"/>
-                <a:ea typeface="ＭＳ Ｐゴシック" charset="0"/>
-                <a:cs typeface="Courier New" pitchFamily="49" charset="0"/>
-              </a:rPr>
-              <a:t>  Woensdag,</a:t>
+              <a:t>   Woensdag,</a:t>
             </a:r>
           </a:p>
           <a:p>
@@ -3027,22 +2921,7 @@
                 <a:ea typeface="ＭＳ Ｐゴシック" charset="0"/>
                 <a:cs typeface="Courier New" pitchFamily="49" charset="0"/>
               </a:rPr>
-              <a:t> </a:t>
-            </a:r>
-            <a:r>
-              <a:rPr kumimoji="0" lang="nl-NL" sz="1800" b="0" i="0" u="none" strike="noStrike" cap="none" normalizeH="0" baseline="0" dirty="0" smtClean="0">
-                <a:ln>
-                  <a:noFill/>
-                </a:ln>
-                <a:solidFill>
-                  <a:srgbClr val="000000"/>
-                </a:solidFill>
-                <a:effectLst/>
-                <a:latin typeface="Courier New" pitchFamily="49" charset="0"/>
-                <a:ea typeface="ＭＳ Ｐゴシック" charset="0"/>
-                <a:cs typeface="Courier New" pitchFamily="49" charset="0"/>
-              </a:rPr>
-              <a:t>  Donderdag,</a:t>
+              <a:t>   Donderdag,</a:t>
             </a:r>
           </a:p>
           <a:p>
@@ -3071,18 +2950,7 @@
                 <a:ea typeface="ＭＳ Ｐゴシック" charset="0"/>
                 <a:cs typeface="Courier New" pitchFamily="49" charset="0"/>
               </a:rPr>
-              <a:t> </a:t>
-            </a:r>
-            <a:r>
-              <a:rPr lang="nl-NL" sz="1800" dirty="0" smtClean="0">
-                <a:solidFill>
-                  <a:srgbClr val="000000"/>
-                </a:solidFill>
-                <a:latin typeface="Courier New" pitchFamily="49" charset="0"/>
-                <a:ea typeface="ＭＳ Ｐゴシック" charset="0"/>
-                <a:cs typeface="Courier New" pitchFamily="49" charset="0"/>
-              </a:rPr>
-              <a:t>  Vrijdag,</a:t>
+              <a:t>   Vrijdag,</a:t>
             </a:r>
           </a:p>
           <a:p>
@@ -3115,24 +2983,9 @@
                 <a:ea typeface="ＭＳ Ｐゴシック" charset="0"/>
                 <a:cs typeface="Courier New" pitchFamily="49" charset="0"/>
               </a:rPr>
-              <a:t> </a:t>
-            </a:r>
-            <a:r>
-              <a:rPr kumimoji="0" lang="nl-NL" sz="1800" b="0" i="0" u="none" strike="noStrike" cap="none" normalizeH="0" baseline="0" dirty="0" smtClean="0">
-                <a:ln>
-                  <a:noFill/>
-                </a:ln>
-                <a:solidFill>
-                  <a:srgbClr val="000000"/>
-                </a:solidFill>
-                <a:effectLst/>
-                <a:latin typeface="Courier New" pitchFamily="49" charset="0"/>
-                <a:ea typeface="ＭＳ Ｐゴシック" charset="0"/>
-                <a:cs typeface="Courier New" pitchFamily="49" charset="0"/>
-              </a:rPr>
-              <a:t>  Zaterdag</a:t>
-            </a:r>
-            <a:endParaRPr lang="nl-NL" sz="1800" dirty="0" smtClean="0">
+              <a:t>   Zaterdag</a:t>
+            </a:r>
+            <a:endParaRPr lang="nl-NL" sz="1800" dirty="0">
               <a:solidFill>
                 <a:srgbClr val="000000"/>
               </a:solidFill>
@@ -3194,7 +3047,6 @@
             <a:headEnd type="none" w="med" len="med"/>
             <a:tailEnd type="none" w="med" len="med"/>
           </a:ln>
-          <a:extLst/>
         </p:spPr>
         <p:style>
           <a:lnRef idx="1">
@@ -3235,7 +3087,7 @@
               <a:tabLst/>
             </a:pPr>
             <a:r>
-              <a:rPr kumimoji="0" lang="nl-NL" sz="1800" b="0" i="0" u="none" strike="noStrike" cap="none" normalizeH="0" baseline="0" dirty="0" smtClean="0">
+              <a:rPr kumimoji="0" lang="nl-NL" sz="1800" b="0" i="0" u="none" strike="noStrike" cap="none" normalizeH="0" baseline="0" dirty="0">
                 <a:ln>
                   <a:noFill/>
                 </a:ln>
@@ -3250,7 +3102,7 @@
               <a:t>Dag</a:t>
             </a:r>
             <a:r>
-              <a:rPr kumimoji="0" lang="nl-NL" sz="1800" b="0" i="0" u="none" strike="noStrike" cap="none" normalizeH="0" dirty="0" smtClean="0">
+              <a:rPr kumimoji="0" lang="nl-NL" sz="1800" b="0" i="0" u="none" strike="noStrike" cap="none" normalizeH="0" dirty="0">
                 <a:ln>
                   <a:noFill/>
                 </a:ln>
@@ -3283,7 +3135,7 @@
               <a:tabLst/>
             </a:pPr>
             <a:r>
-              <a:rPr lang="nl-NL" sz="1800" dirty="0" smtClean="0">
+              <a:rPr lang="nl-NL" sz="1800" dirty="0">
                 <a:solidFill>
                   <a:srgbClr val="000000"/>
                 </a:solidFill>
@@ -3294,7 +3146,7 @@
               <a:t>d = </a:t>
             </a:r>
             <a:r>
-              <a:rPr lang="nl-NL" sz="1800" dirty="0" err="1" smtClean="0">
+              <a:rPr lang="nl-NL" sz="1800" dirty="0" err="1">
                 <a:solidFill>
                   <a:srgbClr val="000000"/>
                 </a:solidFill>
@@ -3305,7 +3157,7 @@
               <a:t>Dag.Woensdag</a:t>
             </a:r>
             <a:r>
-              <a:rPr lang="nl-NL" sz="1800" dirty="0" smtClean="0">
+              <a:rPr lang="nl-NL" sz="1800" dirty="0">
                 <a:solidFill>
                   <a:srgbClr val="000000"/>
                 </a:solidFill>
@@ -3315,7 +3167,7 @@
               </a:rPr>
               <a:t>;</a:t>
             </a:r>
-            <a:endParaRPr kumimoji="0" lang="nl-NL" sz="1800" b="0" i="0" u="none" strike="noStrike" cap="none" normalizeH="0" dirty="0" smtClean="0">
+            <a:endParaRPr kumimoji="0" lang="nl-NL" sz="1800" b="0" i="0" u="none" strike="noStrike" cap="none" normalizeH="0" dirty="0">
               <a:ln>
                 <a:noFill/>
               </a:ln>
@@ -3340,1164 +3192,6 @@
   <p:clrMapOvr>
     <a:masterClrMapping/>
   </p:clrMapOvr>
-  <p:timing>
-    <p:tnLst>
-      <p:par>
-        <p:cTn id="1" dur="indefinite" restart="never" nodeType="tmRoot"/>
-      </p:par>
-    </p:tnLst>
-  </p:timing>
-</p:sld>
-</file>
-
-<file path=ppt/slides/slide4.xml><?xml version="1.0" encoding="utf-8"?>
-<p:sld xmlns:a="http://schemas.openxmlformats.org/drawingml/2006/main" xmlns:r="http://schemas.openxmlformats.org/officeDocument/2006/relationships" xmlns:p="http://schemas.openxmlformats.org/presentationml/2006/main">
-  <p:cSld>
-    <p:spTree>
-      <p:nvGrpSpPr>
-        <p:cNvPr id="1" name=""/>
-        <p:cNvGrpSpPr/>
-        <p:nvPr/>
-      </p:nvGrpSpPr>
-      <p:grpSpPr>
-        <a:xfrm>
-          <a:off x="0" y="0"/>
-          <a:ext cx="0" cy="0"/>
-          <a:chOff x="0" y="0"/>
-          <a:chExt cx="0" cy="0"/>
-        </a:xfrm>
-      </p:grpSpPr>
-      <p:sp>
-        <p:nvSpPr>
-          <p:cNvPr id="2" name="Tijdelijke aanduiding voor inhoud 1"/>
-          <p:cNvSpPr>
-            <a:spLocks noGrp="1"/>
-          </p:cNvSpPr>
-          <p:nvPr>
-            <p:ph idx="1"/>
-          </p:nvPr>
-        </p:nvSpPr>
-        <p:spPr>
-          <a:xfrm>
-            <a:off x="539552" y="908720"/>
-            <a:ext cx="7632848" cy="3384376"/>
-          </a:xfrm>
-        </p:spPr>
-        <p:style>
-          <a:lnRef idx="2">
-            <a:schemeClr val="accent2"/>
-          </a:lnRef>
-          <a:fillRef idx="1">
-            <a:schemeClr val="lt1"/>
-          </a:fillRef>
-          <a:effectRef idx="0">
-            <a:schemeClr val="accent2"/>
-          </a:effectRef>
-          <a:fontRef idx="minor">
-            <a:schemeClr val="dk1"/>
-          </a:fontRef>
-        </p:style>
-        <p:txBody>
-          <a:bodyPr/>
-          <a:lstStyle/>
-          <a:p>
-            <a:pPr marL="0" indent="0">
-              <a:buNone/>
-            </a:pPr>
-            <a:r>
-              <a:rPr lang="nl-NL" sz="1600" dirty="0" smtClean="0">
-                <a:solidFill>
-                  <a:srgbClr val="0000FF"/>
-                </a:solidFill>
-                <a:highlight>
-                  <a:srgbClr val="FFFFFF"/>
-                </a:highlight>
-                <a:latin typeface="Consolas"/>
-              </a:rPr>
-              <a:t>class</a:t>
-            </a:r>
-            <a:r>
-              <a:rPr lang="nl-NL" sz="1600" dirty="0" smtClean="0">
-                <a:solidFill>
-                  <a:srgbClr val="000000"/>
-                </a:solidFill>
-                <a:highlight>
-                  <a:srgbClr val="FFFFFF"/>
-                </a:highlight>
-                <a:latin typeface="Consolas"/>
-              </a:rPr>
-              <a:t> </a:t>
-            </a:r>
-            <a:r>
-              <a:rPr lang="nl-NL" sz="1600" dirty="0">
-                <a:solidFill>
-                  <a:srgbClr val="2B91AF"/>
-                </a:solidFill>
-                <a:highlight>
-                  <a:srgbClr val="FFFFFF"/>
-                </a:highlight>
-                <a:latin typeface="Consolas"/>
-              </a:rPr>
-              <a:t>Persoon</a:t>
-            </a:r>
-            <a:r>
-              <a:rPr lang="nl-NL" sz="1600" dirty="0">
-                <a:solidFill>
-                  <a:srgbClr val="000000"/>
-                </a:solidFill>
-                <a:highlight>
-                  <a:srgbClr val="FFFFFF"/>
-                </a:highlight>
-                <a:latin typeface="Consolas"/>
-              </a:rPr>
-              <a:t> {</a:t>
-            </a:r>
-          </a:p>
-          <a:p>
-            <a:pPr marL="0" indent="0">
-              <a:buNone/>
-            </a:pPr>
-            <a:r>
-              <a:rPr lang="nl-NL" sz="1600" dirty="0">
-                <a:solidFill>
-                  <a:srgbClr val="000000"/>
-                </a:solidFill>
-                <a:highlight>
-                  <a:srgbClr val="FFFFFF"/>
-                </a:highlight>
-                <a:latin typeface="Consolas"/>
-              </a:rPr>
-              <a:t>  </a:t>
-            </a:r>
-            <a:r>
-              <a:rPr lang="nl-NL" sz="1600" dirty="0">
-                <a:solidFill>
-                  <a:srgbClr val="0000FF"/>
-                </a:solidFill>
-                <a:highlight>
-                  <a:srgbClr val="FFFFFF"/>
-                </a:highlight>
-                <a:latin typeface="Consolas"/>
-              </a:rPr>
-              <a:t>private</a:t>
-            </a:r>
-            <a:r>
-              <a:rPr lang="nl-NL" sz="1600" dirty="0">
-                <a:solidFill>
-                  <a:srgbClr val="000000"/>
-                </a:solidFill>
-                <a:highlight>
-                  <a:srgbClr val="FFFFFF"/>
-                </a:highlight>
-                <a:latin typeface="Consolas"/>
-              </a:rPr>
-              <a:t> </a:t>
-            </a:r>
-            <a:r>
-              <a:rPr lang="nl-NL" sz="1600" dirty="0">
-                <a:solidFill>
-                  <a:srgbClr val="0000FF"/>
-                </a:solidFill>
-                <a:highlight>
-                  <a:srgbClr val="FFFFFF"/>
-                </a:highlight>
-                <a:latin typeface="Consolas"/>
-              </a:rPr>
-              <a:t>string</a:t>
-            </a:r>
-            <a:r>
-              <a:rPr lang="nl-NL" sz="1600" dirty="0">
-                <a:solidFill>
-                  <a:srgbClr val="000000"/>
-                </a:solidFill>
-                <a:highlight>
-                  <a:srgbClr val="FFFFFF"/>
-                </a:highlight>
-                <a:latin typeface="Consolas"/>
-              </a:rPr>
-              <a:t> naam;</a:t>
-            </a:r>
-          </a:p>
-          <a:p>
-            <a:pPr marL="0" indent="0">
-              <a:buNone/>
-            </a:pPr>
-            <a:r>
-              <a:rPr lang="en-US" sz="1600" dirty="0">
-                <a:solidFill>
-                  <a:srgbClr val="000000"/>
-                </a:solidFill>
-                <a:highlight>
-                  <a:srgbClr val="FFFFFF"/>
-                </a:highlight>
-                <a:latin typeface="Consolas"/>
-              </a:rPr>
-              <a:t>  </a:t>
-            </a:r>
-            <a:r>
-              <a:rPr lang="en-US" sz="1600" dirty="0">
-                <a:solidFill>
-                  <a:srgbClr val="0000FF"/>
-                </a:solidFill>
-                <a:highlight>
-                  <a:srgbClr val="FFFFFF"/>
-                </a:highlight>
-                <a:latin typeface="Consolas"/>
-              </a:rPr>
-              <a:t>public</a:t>
-            </a:r>
-            <a:r>
-              <a:rPr lang="en-US" sz="1600" dirty="0">
-                <a:solidFill>
-                  <a:srgbClr val="000000"/>
-                </a:solidFill>
-                <a:highlight>
-                  <a:srgbClr val="FFFFFF"/>
-                </a:highlight>
-                <a:latin typeface="Consolas"/>
-              </a:rPr>
-              <a:t> </a:t>
-            </a:r>
-            <a:r>
-              <a:rPr lang="en-US" sz="1600" dirty="0">
-                <a:solidFill>
-                  <a:srgbClr val="0000FF"/>
-                </a:solidFill>
-                <a:highlight>
-                  <a:srgbClr val="FFFFFF"/>
-                </a:highlight>
-                <a:latin typeface="Consolas"/>
-              </a:rPr>
-              <a:t>string</a:t>
-            </a:r>
-            <a:r>
-              <a:rPr lang="en-US" sz="1600" dirty="0">
-                <a:solidFill>
-                  <a:srgbClr val="000000"/>
-                </a:solidFill>
-                <a:highlight>
-                  <a:srgbClr val="FFFFFF"/>
-                </a:highlight>
-                <a:latin typeface="Consolas"/>
-              </a:rPr>
-              <a:t> </a:t>
-            </a:r>
-            <a:r>
-              <a:rPr lang="en-US" sz="1600" dirty="0" err="1">
-                <a:solidFill>
-                  <a:srgbClr val="000000"/>
-                </a:solidFill>
-                <a:highlight>
-                  <a:srgbClr val="FFFFFF"/>
-                </a:highlight>
-                <a:latin typeface="Consolas"/>
-              </a:rPr>
-              <a:t>Naam</a:t>
-            </a:r>
-            <a:r>
-              <a:rPr lang="en-US" sz="1600" dirty="0">
-                <a:solidFill>
-                  <a:srgbClr val="000000"/>
-                </a:solidFill>
-                <a:highlight>
-                  <a:srgbClr val="FFFFFF"/>
-                </a:highlight>
-                <a:latin typeface="Consolas"/>
-              </a:rPr>
-              <a:t> { </a:t>
-            </a:r>
-            <a:r>
-              <a:rPr lang="en-US" sz="1600" dirty="0">
-                <a:solidFill>
-                  <a:srgbClr val="0000FF"/>
-                </a:solidFill>
-                <a:highlight>
-                  <a:srgbClr val="FFFFFF"/>
-                </a:highlight>
-                <a:latin typeface="Consolas"/>
-              </a:rPr>
-              <a:t>get</a:t>
-            </a:r>
-            <a:r>
-              <a:rPr lang="en-US" sz="1600" dirty="0">
-                <a:solidFill>
-                  <a:srgbClr val="000000"/>
-                </a:solidFill>
-                <a:highlight>
-                  <a:srgbClr val="FFFFFF"/>
-                </a:highlight>
-                <a:latin typeface="Consolas"/>
-              </a:rPr>
-              <a:t> { </a:t>
-            </a:r>
-            <a:r>
-              <a:rPr lang="en-US" sz="1600" dirty="0">
-                <a:solidFill>
-                  <a:srgbClr val="0000FF"/>
-                </a:solidFill>
-                <a:highlight>
-                  <a:srgbClr val="FFFFFF"/>
-                </a:highlight>
-                <a:latin typeface="Consolas"/>
-              </a:rPr>
-              <a:t>return</a:t>
-            </a:r>
-            <a:r>
-              <a:rPr lang="en-US" sz="1600" dirty="0">
-                <a:solidFill>
-                  <a:srgbClr val="000000"/>
-                </a:solidFill>
-                <a:highlight>
-                  <a:srgbClr val="FFFFFF"/>
-                </a:highlight>
-                <a:latin typeface="Consolas"/>
-              </a:rPr>
-              <a:t> </a:t>
-            </a:r>
-            <a:r>
-              <a:rPr lang="en-US" sz="1600" dirty="0" err="1">
-                <a:solidFill>
-                  <a:srgbClr val="0000FF"/>
-                </a:solidFill>
-                <a:highlight>
-                  <a:srgbClr val="FFFFFF"/>
-                </a:highlight>
-                <a:latin typeface="Consolas"/>
-              </a:rPr>
-              <a:t>this</a:t>
-            </a:r>
-            <a:r>
-              <a:rPr lang="en-US" sz="1600" dirty="0" err="1">
-                <a:solidFill>
-                  <a:srgbClr val="000000"/>
-                </a:solidFill>
-                <a:highlight>
-                  <a:srgbClr val="FFFFFF"/>
-                </a:highlight>
-                <a:latin typeface="Consolas"/>
-              </a:rPr>
-              <a:t>.naam</a:t>
-            </a:r>
-            <a:r>
-              <a:rPr lang="en-US" sz="1600" dirty="0">
-                <a:solidFill>
-                  <a:srgbClr val="000000"/>
-                </a:solidFill>
-                <a:highlight>
-                  <a:srgbClr val="FFFFFF"/>
-                </a:highlight>
-                <a:latin typeface="Consolas"/>
-              </a:rPr>
-              <a:t>; } }</a:t>
-            </a:r>
-          </a:p>
-          <a:p>
-            <a:pPr marL="0" indent="0">
-              <a:buNone/>
-            </a:pPr>
-            <a:endParaRPr lang="nl-NL" sz="1600" dirty="0">
-              <a:solidFill>
-                <a:srgbClr val="000000"/>
-              </a:solidFill>
-              <a:highlight>
-                <a:srgbClr val="FFFFFF"/>
-              </a:highlight>
-              <a:latin typeface="Consolas"/>
-            </a:endParaRPr>
-          </a:p>
-          <a:p>
-            <a:pPr marL="0" indent="0">
-              <a:buNone/>
-            </a:pPr>
-            <a:r>
-              <a:rPr lang="nl-NL" sz="1600" dirty="0">
-                <a:solidFill>
-                  <a:srgbClr val="000000"/>
-                </a:solidFill>
-                <a:highlight>
-                  <a:srgbClr val="FFFFFF"/>
-                </a:highlight>
-                <a:latin typeface="Consolas"/>
-              </a:rPr>
-              <a:t>  </a:t>
-            </a:r>
-            <a:r>
-              <a:rPr lang="nl-NL" sz="1600" dirty="0">
-                <a:solidFill>
-                  <a:srgbClr val="0000FF"/>
-                </a:solidFill>
-                <a:highlight>
-                  <a:srgbClr val="FFFFFF"/>
-                </a:highlight>
-                <a:latin typeface="Consolas"/>
-              </a:rPr>
-              <a:t>public</a:t>
-            </a:r>
-            <a:r>
-              <a:rPr lang="nl-NL" sz="1600" dirty="0">
-                <a:solidFill>
-                  <a:srgbClr val="000000"/>
-                </a:solidFill>
-                <a:highlight>
-                  <a:srgbClr val="FFFFFF"/>
-                </a:highlight>
-                <a:latin typeface="Consolas"/>
-              </a:rPr>
-              <a:t> Persoon(</a:t>
-            </a:r>
-            <a:r>
-              <a:rPr lang="nl-NL" sz="1600" dirty="0">
-                <a:solidFill>
-                  <a:srgbClr val="0000FF"/>
-                </a:solidFill>
-                <a:highlight>
-                  <a:srgbClr val="FFFFFF"/>
-                </a:highlight>
-                <a:latin typeface="Consolas"/>
-              </a:rPr>
-              <a:t>string</a:t>
-            </a:r>
-            <a:r>
-              <a:rPr lang="nl-NL" sz="1600" dirty="0">
-                <a:solidFill>
-                  <a:srgbClr val="000000"/>
-                </a:solidFill>
-                <a:highlight>
-                  <a:srgbClr val="FFFFFF"/>
-                </a:highlight>
-                <a:latin typeface="Consolas"/>
-              </a:rPr>
-              <a:t> Naam) </a:t>
-            </a:r>
-            <a:r>
-              <a:rPr lang="nl-NL" sz="1600" dirty="0" smtClean="0">
-                <a:solidFill>
-                  <a:srgbClr val="000000"/>
-                </a:solidFill>
-                <a:highlight>
-                  <a:srgbClr val="FFFFFF"/>
-                </a:highlight>
-                <a:latin typeface="Consolas"/>
-              </a:rPr>
-              <a:t/>
-            </a:r>
-            <a:br>
-              <a:rPr lang="nl-NL" sz="1600" dirty="0" smtClean="0">
-                <a:solidFill>
-                  <a:srgbClr val="000000"/>
-                </a:solidFill>
-                <a:highlight>
-                  <a:srgbClr val="FFFFFF"/>
-                </a:highlight>
-                <a:latin typeface="Consolas"/>
-              </a:rPr>
-            </a:br>
-            <a:r>
-              <a:rPr lang="nl-NL" sz="1600" dirty="0" smtClean="0">
-                <a:solidFill>
-                  <a:srgbClr val="000000"/>
-                </a:solidFill>
-                <a:highlight>
-                  <a:srgbClr val="FFFFFF"/>
-                </a:highlight>
-                <a:latin typeface="Consolas"/>
-              </a:rPr>
-              <a:t>  {</a:t>
-            </a:r>
-            <a:endParaRPr lang="nl-NL" sz="1600" dirty="0">
-              <a:solidFill>
-                <a:srgbClr val="000000"/>
-              </a:solidFill>
-              <a:highlight>
-                <a:srgbClr val="FFFFFF"/>
-              </a:highlight>
-              <a:latin typeface="Consolas"/>
-            </a:endParaRPr>
-          </a:p>
-          <a:p>
-            <a:pPr marL="0" indent="0">
-              <a:buNone/>
-            </a:pPr>
-            <a:r>
-              <a:rPr lang="nl-NL" sz="1600" dirty="0">
-                <a:solidFill>
-                  <a:srgbClr val="000000"/>
-                </a:solidFill>
-                <a:highlight>
-                  <a:srgbClr val="FFFFFF"/>
-                </a:highlight>
-                <a:latin typeface="Consolas"/>
-              </a:rPr>
-              <a:t>   naam = Naam;</a:t>
-            </a:r>
-          </a:p>
-          <a:p>
-            <a:pPr marL="0" indent="0">
-              <a:buNone/>
-            </a:pPr>
-            <a:r>
-              <a:rPr lang="nl-NL" sz="1600" dirty="0">
-                <a:solidFill>
-                  <a:srgbClr val="000000"/>
-                </a:solidFill>
-                <a:highlight>
-                  <a:srgbClr val="FFFFFF"/>
-                </a:highlight>
-                <a:latin typeface="Consolas"/>
-              </a:rPr>
-              <a:t>  </a:t>
-            </a:r>
-            <a:r>
-              <a:rPr lang="nl-NL" sz="1600" dirty="0" smtClean="0">
-                <a:solidFill>
-                  <a:srgbClr val="000000"/>
-                </a:solidFill>
-                <a:highlight>
-                  <a:srgbClr val="FFFFFF"/>
-                </a:highlight>
-                <a:latin typeface="Consolas"/>
-              </a:rPr>
-              <a:t>}</a:t>
-            </a:r>
-            <a:br>
-              <a:rPr lang="nl-NL" sz="1600" dirty="0" smtClean="0">
-                <a:solidFill>
-                  <a:srgbClr val="000000"/>
-                </a:solidFill>
-                <a:highlight>
-                  <a:srgbClr val="FFFFFF"/>
-                </a:highlight>
-                <a:latin typeface="Consolas"/>
-              </a:rPr>
-            </a:br>
-            <a:r>
-              <a:rPr lang="nl-NL" sz="1600" dirty="0" smtClean="0">
-                <a:solidFill>
-                  <a:srgbClr val="000000"/>
-                </a:solidFill>
-                <a:highlight>
-                  <a:srgbClr val="FFFFFF"/>
-                </a:highlight>
-                <a:latin typeface="Consolas"/>
-              </a:rPr>
-              <a:t/>
-            </a:r>
-            <a:br>
-              <a:rPr lang="nl-NL" sz="1600" dirty="0" smtClean="0">
-                <a:solidFill>
-                  <a:srgbClr val="000000"/>
-                </a:solidFill>
-                <a:highlight>
-                  <a:srgbClr val="FFFFFF"/>
-                </a:highlight>
-                <a:latin typeface="Consolas"/>
-              </a:rPr>
-            </a:br>
-            <a:r>
-              <a:rPr lang="nl-NL" sz="1600" dirty="0" smtClean="0">
-                <a:solidFill>
-                  <a:srgbClr val="000000"/>
-                </a:solidFill>
-                <a:highlight>
-                  <a:srgbClr val="FFFFFF"/>
-                </a:highlight>
-                <a:latin typeface="Consolas"/>
-              </a:rPr>
-              <a:t> </a:t>
-            </a:r>
-            <a:r>
-              <a:rPr lang="en-US" sz="1600" dirty="0" smtClean="0">
-                <a:solidFill>
-                  <a:srgbClr val="000000"/>
-                </a:solidFill>
-                <a:highlight>
-                  <a:srgbClr val="FFFFFF"/>
-                </a:highlight>
-                <a:latin typeface="Consolas"/>
-              </a:rPr>
-              <a:t> </a:t>
-            </a:r>
-            <a:r>
-              <a:rPr lang="en-US" sz="1600" dirty="0">
-                <a:solidFill>
-                  <a:srgbClr val="0000FF"/>
-                </a:solidFill>
-                <a:highlight>
-                  <a:srgbClr val="FFFFFF"/>
-                </a:highlight>
-                <a:latin typeface="Consolas"/>
-              </a:rPr>
-              <a:t>public</a:t>
-            </a:r>
-            <a:r>
-              <a:rPr lang="en-US" sz="1600" dirty="0">
-                <a:solidFill>
-                  <a:srgbClr val="000000"/>
-                </a:solidFill>
-                <a:highlight>
-                  <a:srgbClr val="FFFFFF"/>
-                </a:highlight>
-                <a:latin typeface="Consolas"/>
-              </a:rPr>
-              <a:t> </a:t>
-            </a:r>
-            <a:r>
-              <a:rPr lang="en-US" sz="1600" dirty="0">
-                <a:solidFill>
-                  <a:srgbClr val="0000FF"/>
-                </a:solidFill>
-                <a:highlight>
-                  <a:srgbClr val="FFFFFF"/>
-                </a:highlight>
-                <a:latin typeface="Consolas"/>
-              </a:rPr>
-              <a:t>override</a:t>
-            </a:r>
-            <a:r>
-              <a:rPr lang="en-US" sz="1600" dirty="0">
-                <a:solidFill>
-                  <a:srgbClr val="000000"/>
-                </a:solidFill>
-                <a:highlight>
-                  <a:srgbClr val="FFFFFF"/>
-                </a:highlight>
-                <a:latin typeface="Consolas"/>
-              </a:rPr>
-              <a:t> </a:t>
-            </a:r>
-            <a:r>
-              <a:rPr lang="en-US" sz="1600" dirty="0">
-                <a:solidFill>
-                  <a:srgbClr val="0000FF"/>
-                </a:solidFill>
-                <a:highlight>
-                  <a:srgbClr val="FFFFFF"/>
-                </a:highlight>
-                <a:latin typeface="Consolas"/>
-              </a:rPr>
-              <a:t>string</a:t>
-            </a:r>
-            <a:r>
-              <a:rPr lang="en-US" sz="1600" dirty="0">
-                <a:solidFill>
-                  <a:srgbClr val="000000"/>
-                </a:solidFill>
-                <a:highlight>
-                  <a:srgbClr val="FFFFFF"/>
-                </a:highlight>
-                <a:latin typeface="Consolas"/>
-              </a:rPr>
-              <a:t> </a:t>
-            </a:r>
-            <a:r>
-              <a:rPr lang="en-US" sz="1600" dirty="0" err="1">
-                <a:solidFill>
-                  <a:srgbClr val="000000"/>
-                </a:solidFill>
-                <a:highlight>
-                  <a:srgbClr val="FFFFFF"/>
-                </a:highlight>
-                <a:latin typeface="Consolas"/>
-              </a:rPr>
-              <a:t>ToString</a:t>
-            </a:r>
-            <a:r>
-              <a:rPr lang="en-US" sz="1600" dirty="0">
-                <a:solidFill>
-                  <a:srgbClr val="000000"/>
-                </a:solidFill>
-                <a:highlight>
-                  <a:srgbClr val="FFFFFF"/>
-                </a:highlight>
-                <a:latin typeface="Consolas"/>
-              </a:rPr>
-              <a:t>() { </a:t>
-            </a:r>
-            <a:r>
-              <a:rPr lang="en-US" sz="1600" dirty="0">
-                <a:solidFill>
-                  <a:srgbClr val="0000FF"/>
-                </a:solidFill>
-                <a:highlight>
-                  <a:srgbClr val="FFFFFF"/>
-                </a:highlight>
-                <a:latin typeface="Consolas"/>
-              </a:rPr>
-              <a:t>return</a:t>
-            </a:r>
-            <a:r>
-              <a:rPr lang="en-US" sz="1600" dirty="0">
-                <a:solidFill>
-                  <a:srgbClr val="000000"/>
-                </a:solidFill>
-                <a:highlight>
-                  <a:srgbClr val="FFFFFF"/>
-                </a:highlight>
-                <a:latin typeface="Consolas"/>
-              </a:rPr>
-              <a:t> </a:t>
-            </a:r>
-            <a:r>
-              <a:rPr lang="en-US" sz="1600" dirty="0" err="1">
-                <a:solidFill>
-                  <a:srgbClr val="0000FF"/>
-                </a:solidFill>
-                <a:highlight>
-                  <a:srgbClr val="FFFFFF"/>
-                </a:highlight>
-                <a:latin typeface="Consolas"/>
-              </a:rPr>
-              <a:t>this</a:t>
-            </a:r>
-            <a:r>
-              <a:rPr lang="en-US" sz="1600" dirty="0" err="1">
-                <a:solidFill>
-                  <a:srgbClr val="000000"/>
-                </a:solidFill>
-                <a:highlight>
-                  <a:srgbClr val="FFFFFF"/>
-                </a:highlight>
-                <a:latin typeface="Consolas"/>
-              </a:rPr>
-              <a:t>.Naam</a:t>
-            </a:r>
-            <a:r>
-              <a:rPr lang="en-US" sz="1600" dirty="0">
-                <a:solidFill>
-                  <a:srgbClr val="000000"/>
-                </a:solidFill>
-                <a:highlight>
-                  <a:srgbClr val="FFFFFF"/>
-                </a:highlight>
-                <a:latin typeface="Consolas"/>
-              </a:rPr>
-              <a:t>; </a:t>
-            </a:r>
-            <a:r>
-              <a:rPr lang="en-US" sz="1600" dirty="0" smtClean="0">
-                <a:solidFill>
-                  <a:srgbClr val="000000"/>
-                </a:solidFill>
-                <a:highlight>
-                  <a:srgbClr val="FFFFFF"/>
-                </a:highlight>
-                <a:latin typeface="Consolas"/>
-              </a:rPr>
-              <a:t>}</a:t>
-            </a:r>
-            <a:br>
-              <a:rPr lang="en-US" sz="1600" dirty="0" smtClean="0">
-                <a:solidFill>
-                  <a:srgbClr val="000000"/>
-                </a:solidFill>
-                <a:highlight>
-                  <a:srgbClr val="FFFFFF"/>
-                </a:highlight>
-                <a:latin typeface="Consolas"/>
-              </a:rPr>
-            </a:br>
-            <a:endParaRPr lang="nl-NL" sz="1600" dirty="0">
-              <a:solidFill>
-                <a:srgbClr val="000000"/>
-              </a:solidFill>
-              <a:highlight>
-                <a:srgbClr val="FFFFFF"/>
-              </a:highlight>
-              <a:latin typeface="Consolas"/>
-            </a:endParaRPr>
-          </a:p>
-          <a:p>
-            <a:pPr marL="0" indent="0">
-              <a:buNone/>
-            </a:pPr>
-            <a:r>
-              <a:rPr lang="nl-NL" sz="1600" dirty="0">
-                <a:solidFill>
-                  <a:srgbClr val="000000"/>
-                </a:solidFill>
-                <a:highlight>
-                  <a:srgbClr val="FFFFFF"/>
-                </a:highlight>
-                <a:latin typeface="Consolas"/>
-              </a:rPr>
-              <a:t> }</a:t>
-            </a:r>
-            <a:endParaRPr lang="nl-NL" sz="1600" dirty="0">
-              <a:solidFill>
-                <a:schemeClr val="tx1"/>
-              </a:solidFill>
-              <a:latin typeface="Courier New" pitchFamily="49" charset="0"/>
-              <a:cs typeface="Courier New" pitchFamily="49" charset="0"/>
-            </a:endParaRPr>
-          </a:p>
-        </p:txBody>
-      </p:sp>
-      <p:sp>
-        <p:nvSpPr>
-          <p:cNvPr id="4" name="Tijdelijke aanduiding voor dianummer 3"/>
-          <p:cNvSpPr>
-            <a:spLocks noGrp="1"/>
-          </p:cNvSpPr>
-          <p:nvPr>
-            <p:ph type="sldNum" sz="quarter" idx="4"/>
-          </p:nvPr>
-        </p:nvSpPr>
-        <p:spPr/>
-        <p:txBody>
-          <a:bodyPr/>
-          <a:lstStyle/>
-          <a:p>
-            <a:fld id="{513CBD93-3318-4B48-B3BC-79E8361AB13D}" type="slidenum">
-              <a:rPr lang="nl-NL" smtClean="0"/>
-              <a:pPr/>
-              <a:t>4</a:t>
-            </a:fld>
-            <a:endParaRPr lang="nl-NL" dirty="0"/>
-          </a:p>
-        </p:txBody>
-      </p:sp>
-      <p:sp>
-        <p:nvSpPr>
-          <p:cNvPr id="5" name="Titel 4"/>
-          <p:cNvSpPr>
-            <a:spLocks noGrp="1"/>
-          </p:cNvSpPr>
-          <p:nvPr>
-            <p:ph type="title"/>
-          </p:nvPr>
-        </p:nvSpPr>
-        <p:spPr>
-          <a:xfrm>
-            <a:off x="467544" y="188640"/>
-            <a:ext cx="8153400" cy="685800"/>
-          </a:xfrm>
-        </p:spPr>
-        <p:txBody>
-          <a:bodyPr/>
-          <a:lstStyle/>
-          <a:p>
-            <a:r>
-              <a:rPr lang="nl-NL" dirty="0" err="1" smtClean="0"/>
-              <a:t>ToString</a:t>
-            </a:r>
-            <a:r>
-              <a:rPr lang="nl-NL" dirty="0" smtClean="0"/>
-              <a:t>()</a:t>
-            </a:r>
-            <a:endParaRPr lang="nl-NL" dirty="0"/>
-          </a:p>
-        </p:txBody>
-      </p:sp>
-    </p:spTree>
-    <p:extLst>
-      <p:ext uri="{BB962C8B-B14F-4D97-AF65-F5344CB8AC3E}">
-        <p14:creationId xmlns:p14="http://schemas.microsoft.com/office/powerpoint/2010/main" val="1020236146"/>
-      </p:ext>
-    </p:extLst>
-  </p:cSld>
-  <p:clrMapOvr>
-    <a:masterClrMapping/>
-  </p:clrMapOvr>
-  <p:timing>
-    <p:tnLst>
-      <p:par>
-        <p:cTn id="1" dur="indefinite" restart="never" nodeType="tmRoot">
-          <p:childTnLst>
-            <p:seq concurrent="1" nextAc="seek">
-              <p:cTn id="2" dur="indefinite" nodeType="mainSeq">
-                <p:childTnLst>
-                  <p:par>
-                    <p:cTn id="3" fill="hold">
-                      <p:stCondLst>
-                        <p:cond delay="indefinite"/>
-                        <p:cond evt="onBegin" delay="0">
-                          <p:tn val="2"/>
-                        </p:cond>
-                      </p:stCondLst>
-                      <p:childTnLst>
-                        <p:par>
-                          <p:cTn id="4" fill="hold">
-                            <p:stCondLst>
-                              <p:cond delay="0"/>
-                            </p:stCondLst>
-                            <p:childTnLst>
-                              <p:par>
-                                <p:cTn id="5" presetID="1" presetClass="entr" presetSubtype="0" fill="hold" grpId="0" nodeType="withEffect">
-                                  <p:stCondLst>
-                                    <p:cond delay="0"/>
-                                  </p:stCondLst>
-                                  <p:childTnLst>
-                                    <p:set>
-                                      <p:cBhvr>
-                                        <p:cTn id="6" dur="1" fill="hold">
-                                          <p:stCondLst>
-                                            <p:cond delay="0"/>
-                                          </p:stCondLst>
-                                        </p:cTn>
-                                        <p:tgtEl>
-                                          <p:spTgt spid="2">
-                                            <p:bg/>
-                                          </p:spTgt>
-                                        </p:tgtEl>
-                                        <p:attrNameLst>
-                                          <p:attrName>style.visibility</p:attrName>
-                                        </p:attrNameLst>
-                                      </p:cBhvr>
-                                      <p:to>
-                                        <p:strVal val="visible"/>
-                                      </p:to>
-                                    </p:set>
-                                  </p:childTnLst>
-                                </p:cTn>
-                              </p:par>
-                              <p:par>
-                                <p:cTn id="7" presetID="1" presetClass="entr" presetSubtype="0" fill="hold" grpId="0" nodeType="withEffect">
-                                  <p:stCondLst>
-                                    <p:cond delay="0"/>
-                                  </p:stCondLst>
-                                  <p:childTnLst>
-                                    <p:set>
-                                      <p:cBhvr>
-                                        <p:cTn id="8" dur="1" fill="hold">
-                                          <p:stCondLst>
-                                            <p:cond delay="0"/>
-                                          </p:stCondLst>
-                                        </p:cTn>
-                                        <p:tgtEl>
-                                          <p:spTgt spid="2">
-                                            <p:txEl>
-                                              <p:pRg st="0" end="0"/>
-                                            </p:txEl>
-                                          </p:spTgt>
-                                        </p:tgtEl>
-                                        <p:attrNameLst>
-                                          <p:attrName>style.visibility</p:attrName>
-                                        </p:attrNameLst>
-                                      </p:cBhvr>
-                                      <p:to>
-                                        <p:strVal val="visible"/>
-                                      </p:to>
-                                    </p:set>
-                                  </p:childTnLst>
-                                </p:cTn>
-                              </p:par>
-                              <p:par>
-                                <p:cTn id="9" presetID="1" presetClass="entr" presetSubtype="0" fill="hold" grpId="0" nodeType="withEffect">
-                                  <p:stCondLst>
-                                    <p:cond delay="0"/>
-                                  </p:stCondLst>
-                                  <p:childTnLst>
-                                    <p:set>
-                                      <p:cBhvr>
-                                        <p:cTn id="10" dur="1" fill="hold">
-                                          <p:stCondLst>
-                                            <p:cond delay="0"/>
-                                          </p:stCondLst>
-                                        </p:cTn>
-                                        <p:tgtEl>
-                                          <p:spTgt spid="2">
-                                            <p:txEl>
-                                              <p:pRg st="1" end="1"/>
-                                            </p:txEl>
-                                          </p:spTgt>
-                                        </p:tgtEl>
-                                        <p:attrNameLst>
-                                          <p:attrName>style.visibility</p:attrName>
-                                        </p:attrNameLst>
-                                      </p:cBhvr>
-                                      <p:to>
-                                        <p:strVal val="visible"/>
-                                      </p:to>
-                                    </p:set>
-                                  </p:childTnLst>
-                                </p:cTn>
-                              </p:par>
-                              <p:par>
-                                <p:cTn id="11" presetID="1" presetClass="entr" presetSubtype="0" fill="hold" grpId="0" nodeType="withEffect">
-                                  <p:stCondLst>
-                                    <p:cond delay="0"/>
-                                  </p:stCondLst>
-                                  <p:childTnLst>
-                                    <p:set>
-                                      <p:cBhvr>
-                                        <p:cTn id="12" dur="1" fill="hold">
-                                          <p:stCondLst>
-                                            <p:cond delay="0"/>
-                                          </p:stCondLst>
-                                        </p:cTn>
-                                        <p:tgtEl>
-                                          <p:spTgt spid="2">
-                                            <p:txEl>
-                                              <p:pRg st="2" end="2"/>
-                                            </p:txEl>
-                                          </p:spTgt>
-                                        </p:tgtEl>
-                                        <p:attrNameLst>
-                                          <p:attrName>style.visibility</p:attrName>
-                                        </p:attrNameLst>
-                                      </p:cBhvr>
-                                      <p:to>
-                                        <p:strVal val="visible"/>
-                                      </p:to>
-                                    </p:set>
-                                  </p:childTnLst>
-                                </p:cTn>
-                              </p:par>
-                              <p:par>
-                                <p:cTn id="13" presetID="1" presetClass="entr" presetSubtype="0" fill="hold" grpId="0" nodeType="withEffect">
-                                  <p:stCondLst>
-                                    <p:cond delay="0"/>
-                                  </p:stCondLst>
-                                  <p:childTnLst>
-                                    <p:set>
-                                      <p:cBhvr>
-                                        <p:cTn id="14" dur="1" fill="hold">
-                                          <p:stCondLst>
-                                            <p:cond delay="0"/>
-                                          </p:stCondLst>
-                                        </p:cTn>
-                                        <p:tgtEl>
-                                          <p:spTgt spid="2">
-                                            <p:txEl>
-                                              <p:pRg st="4" end="4"/>
-                                            </p:txEl>
-                                          </p:spTgt>
-                                        </p:tgtEl>
-                                        <p:attrNameLst>
-                                          <p:attrName>style.visibility</p:attrName>
-                                        </p:attrNameLst>
-                                      </p:cBhvr>
-                                      <p:to>
-                                        <p:strVal val="visible"/>
-                                      </p:to>
-                                    </p:set>
-                                  </p:childTnLst>
-                                </p:cTn>
-                              </p:par>
-                              <p:par>
-                                <p:cTn id="15" presetID="1" presetClass="entr" presetSubtype="0" fill="hold" grpId="0" nodeType="withEffect">
-                                  <p:stCondLst>
-                                    <p:cond delay="0"/>
-                                  </p:stCondLst>
-                                  <p:childTnLst>
-                                    <p:set>
-                                      <p:cBhvr>
-                                        <p:cTn id="16" dur="1" fill="hold">
-                                          <p:stCondLst>
-                                            <p:cond delay="0"/>
-                                          </p:stCondLst>
-                                        </p:cTn>
-                                        <p:tgtEl>
-                                          <p:spTgt spid="2">
-                                            <p:txEl>
-                                              <p:pRg st="5" end="5"/>
-                                            </p:txEl>
-                                          </p:spTgt>
-                                        </p:tgtEl>
-                                        <p:attrNameLst>
-                                          <p:attrName>style.visibility</p:attrName>
-                                        </p:attrNameLst>
-                                      </p:cBhvr>
-                                      <p:to>
-                                        <p:strVal val="visible"/>
-                                      </p:to>
-                                    </p:set>
-                                  </p:childTnLst>
-                                </p:cTn>
-                              </p:par>
-                              <p:par>
-                                <p:cTn id="17" presetID="1" presetClass="entr" presetSubtype="0" fill="hold" grpId="0" nodeType="withEffect">
-                                  <p:stCondLst>
-                                    <p:cond delay="0"/>
-                                  </p:stCondLst>
-                                  <p:childTnLst>
-                                    <p:set>
-                                      <p:cBhvr>
-                                        <p:cTn id="18" dur="1" fill="hold">
-                                          <p:stCondLst>
-                                            <p:cond delay="0"/>
-                                          </p:stCondLst>
-                                        </p:cTn>
-                                        <p:tgtEl>
-                                          <p:spTgt spid="2">
-                                            <p:txEl>
-                                              <p:pRg st="6" end="6"/>
-                                            </p:txEl>
-                                          </p:spTgt>
-                                        </p:tgtEl>
-                                        <p:attrNameLst>
-                                          <p:attrName>style.visibility</p:attrName>
-                                        </p:attrNameLst>
-                                      </p:cBhvr>
-                                      <p:to>
-                                        <p:strVal val="visible"/>
-                                      </p:to>
-                                    </p:set>
-                                  </p:childTnLst>
-                                </p:cTn>
-                              </p:par>
-                              <p:par>
-                                <p:cTn id="19" presetID="1" presetClass="entr" presetSubtype="0" fill="hold" grpId="0" nodeType="withEffect">
-                                  <p:stCondLst>
-                                    <p:cond delay="0"/>
-                                  </p:stCondLst>
-                                  <p:childTnLst>
-                                    <p:set>
-                                      <p:cBhvr>
-                                        <p:cTn id="20" dur="1" fill="hold">
-                                          <p:stCondLst>
-                                            <p:cond delay="0"/>
-                                          </p:stCondLst>
-                                        </p:cTn>
-                                        <p:tgtEl>
-                                          <p:spTgt spid="2">
-                                            <p:txEl>
-                                              <p:pRg st="7" end="7"/>
-                                            </p:txEl>
-                                          </p:spTgt>
-                                        </p:tgtEl>
-                                        <p:attrNameLst>
-                                          <p:attrName>style.visibility</p:attrName>
-                                        </p:attrNameLst>
-                                      </p:cBhvr>
-                                      <p:to>
-                                        <p:strVal val="visible"/>
-                                      </p:to>
-                                    </p:set>
-                                  </p:childTnLst>
-                                </p:cTn>
-                              </p:par>
-                            </p:childTnLst>
-                          </p:cTn>
-                        </p:par>
-                      </p:childTnLst>
-                    </p:cTn>
-                  </p:par>
-                </p:childTnLst>
-              </p:cTn>
-              <p:prevCondLst>
-                <p:cond evt="onPrev" delay="0">
-                  <p:tgtEl>
-                    <p:sldTgt/>
-                  </p:tgtEl>
-                </p:cond>
-              </p:prevCondLst>
-              <p:nextCondLst>
-                <p:cond evt="onNext" delay="0">
-                  <p:tgtEl>
-                    <p:sldTgt/>
-                  </p:tgtEl>
-                </p:cond>
-              </p:nextCondLst>
-            </p:seq>
-          </p:childTnLst>
-        </p:cTn>
-      </p:par>
-    </p:tnLst>
-    <p:bldLst>
-      <p:bldP spid="2" grpId="0" uiExpand="1" build="p" animBg="1"/>
-    </p:bldLst>
-  </p:timing>
 </p:sld>
 </file>
 
@@ -6138,13 +4832,33 @@
 </file>
 
 <file path=customXml/itemProps1.xml><?xml version="1.0" encoding="utf-8"?>
-<ds:datastoreItem xmlns:ds="http://schemas.openxmlformats.org/officeDocument/2006/customXml" ds:itemID="{73E90709-7E18-4749-B1ED-5CC805BFA8B8}"/>
+<ds:datastoreItem xmlns:ds="http://schemas.openxmlformats.org/officeDocument/2006/customXml" ds:itemID="{73E90709-7E18-4749-B1ED-5CC805BFA8B8}">
+  <ds:schemaRefs>
+    <ds:schemaRef ds:uri="http://schemas.microsoft.com/office/2006/metadata/contentType"/>
+    <ds:schemaRef ds:uri="http://schemas.microsoft.com/office/2006/metadata/properties/metaAttributes"/>
+    <ds:schemaRef ds:uri="http://www.w3.org/2001/XMLSchema"/>
+    <ds:schemaRef ds:uri="http://schemas.microsoft.com/office/2006/metadata/properties"/>
+    <ds:schemaRef ds:uri="http://schemas.openxmlformats.org/package/2006/metadata/core-properties"/>
+    <ds:schemaRef ds:uri="http://purl.org/dc/elements/1.1/"/>
+    <ds:schemaRef ds:uri="http://purl.org/dc/terms/"/>
+    <ds:schemaRef ds:uri="http://schemas.microsoft.com/internal/obd"/>
+    <ds:schemaRef ds:uri="http://schemas.microsoft.com/office/infopath/2007/PartnerControls"/>
+  </ds:schemaRefs>
+</ds:datastoreItem>
 </file>
 
 <file path=customXml/itemProps2.xml><?xml version="1.0" encoding="utf-8"?>
-<ds:datastoreItem xmlns:ds="http://schemas.openxmlformats.org/officeDocument/2006/customXml" ds:itemID="{ABA2CB62-339A-45CC-94D9-6605DEC46DA1}"/>
+<ds:datastoreItem xmlns:ds="http://schemas.openxmlformats.org/officeDocument/2006/customXml" ds:itemID="{ABA2CB62-339A-45CC-94D9-6605DEC46DA1}">
+  <ds:schemaRefs>
+    <ds:schemaRef ds:uri="http://schemas.microsoft.com/sharepoint/v3/contenttype/forms"/>
+  </ds:schemaRefs>
+</ds:datastoreItem>
 </file>
 
 <file path=customXml/itemProps3.xml><?xml version="1.0" encoding="utf-8"?>
-<ds:datastoreItem xmlns:ds="http://schemas.openxmlformats.org/officeDocument/2006/customXml" ds:itemID="{D4075B2F-DF3C-47EB-9F68-D56AAA03D66C}"/>
+<ds:datastoreItem xmlns:ds="http://schemas.openxmlformats.org/officeDocument/2006/customXml" ds:itemID="{D4075B2F-DF3C-47EB-9F68-D56AAA03D66C}">
+  <ds:schemaRefs>
+    <ds:schemaRef ds:uri="http://schemas.microsoft.com/office/2006/metadata/properties"/>
+  </ds:schemaRefs>
+</ds:datastoreItem>
 </file>